--- a/Phase-I Interim.pptx
+++ b/Phase-I Interim.pptx
@@ -229,7 +229,7 @@
             <a:fld id="{05B50485-1A9E-4DC7-BF1C-AA076E5FA75F}" type="datetimeFigureOut">
               <a:rPr lang="en-US" smtClean="0"/>
               <a:pPr/>
-              <a:t>2/27/2013</a:t>
+              <a:t>2/28/2013</a:t>
             </a:fld>
             <a:endParaRPr lang="en-US"/>
           </a:p>
@@ -398,6 +398,11 @@
         </p:txBody>
       </p:sp>
     </p:spTree>
+    <p:extLst>
+      <p:ext uri="{BB962C8B-B14F-4D97-AF65-F5344CB8AC3E}">
+        <p14:creationId xmlns:p14="http://schemas.microsoft.com/office/powerpoint/2010/main" val="1145373471"/>
+      </p:ext>
+    </p:extLst>
   </p:cSld>
   <p:clrMap bg1="lt1" tx1="dk1" bg2="lt2" tx2="dk2" accent1="accent1" accent2="accent2" accent3="accent3" accent4="accent4" accent5="accent5" accent6="accent6" hlink="hlink" folHlink="folHlink"/>
   <p:notesStyle>
@@ -1999,7 +2004,7 @@
     </p:spTree>
     <p:extLst>
       <p:ext uri="{BB962C8B-B14F-4D97-AF65-F5344CB8AC3E}">
-        <p14:creationId xmlns:p14="http://schemas.microsoft.com/office/powerpoint/2010/main" xmlns="" val="2671461091"/>
+        <p14:creationId xmlns:p14="http://schemas.microsoft.com/office/powerpoint/2010/main" val="2671461091"/>
       </p:ext>
     </p:extLst>
   </p:cSld>
@@ -2588,7 +2593,7 @@
             <a:fld id="{AD5BE982-B57F-4C1B-9882-5ABB75DCB671}" type="datetimeFigureOut">
               <a:rPr lang="en-US" smtClean="0"/>
               <a:pPr/>
-              <a:t>2/27/2013</a:t>
+              <a:t>2/28/2013</a:t>
             </a:fld>
             <a:endParaRPr lang="en-US"/>
           </a:p>
@@ -2775,7 +2780,7 @@
             <a:fld id="{AD5BE982-B57F-4C1B-9882-5ABB75DCB671}" type="datetimeFigureOut">
               <a:rPr lang="en-US" smtClean="0"/>
               <a:pPr/>
-              <a:t>2/27/2013</a:t>
+              <a:t>2/28/2013</a:t>
             </a:fld>
             <a:endParaRPr lang="en-US"/>
           </a:p>
@@ -2962,7 +2967,7 @@
             <a:fld id="{AD5BE982-B57F-4C1B-9882-5ABB75DCB671}" type="datetimeFigureOut">
               <a:rPr lang="en-US" smtClean="0"/>
               <a:pPr/>
-              <a:t>2/27/2013</a:t>
+              <a:t>2/28/2013</a:t>
             </a:fld>
             <a:endParaRPr lang="en-US"/>
           </a:p>
@@ -3418,7 +3423,7 @@
             <a:fld id="{AD5BE982-B57F-4C1B-9882-5ABB75DCB671}" type="datetimeFigureOut">
               <a:rPr lang="en-US" smtClean="0"/>
               <a:pPr/>
-              <a:t>2/27/2013</a:t>
+              <a:t>2/28/2013</a:t>
             </a:fld>
             <a:endParaRPr lang="en-US"/>
           </a:p>
@@ -3801,7 +3806,7 @@
             <a:fld id="{AD5BE982-B57F-4C1B-9882-5ABB75DCB671}" type="datetimeFigureOut">
               <a:rPr lang="en-US" smtClean="0"/>
               <a:pPr/>
-              <a:t>2/27/2013</a:t>
+              <a:t>2/28/2013</a:t>
             </a:fld>
             <a:endParaRPr lang="en-US"/>
           </a:p>
@@ -4072,7 +4077,7 @@
             <a:fld id="{AD5BE982-B57F-4C1B-9882-5ABB75DCB671}" type="datetimeFigureOut">
               <a:rPr lang="en-US" smtClean="0"/>
               <a:pPr/>
-              <a:t>2/27/2013</a:t>
+              <a:t>2/28/2013</a:t>
             </a:fld>
             <a:endParaRPr lang="en-US"/>
           </a:p>
@@ -4459,7 +4464,7 @@
             <a:fld id="{AD5BE982-B57F-4C1B-9882-5ABB75DCB671}" type="datetimeFigureOut">
               <a:rPr lang="en-US" smtClean="0"/>
               <a:pPr/>
-              <a:t>2/27/2013</a:t>
+              <a:t>2/28/2013</a:t>
             </a:fld>
             <a:endParaRPr lang="en-US"/>
           </a:p>
@@ -4582,7 +4587,7 @@
             <a:fld id="{AD5BE982-B57F-4C1B-9882-5ABB75DCB671}" type="datetimeFigureOut">
               <a:rPr lang="en-US" smtClean="0"/>
               <a:pPr/>
-              <a:t>2/27/2013</a:t>
+              <a:t>2/28/2013</a:t>
             </a:fld>
             <a:endParaRPr lang="en-US"/>
           </a:p>
@@ -4764,7 +4769,7 @@
             <a:fld id="{AD5BE982-B57F-4C1B-9882-5ABB75DCB671}" type="datetimeFigureOut">
               <a:rPr lang="en-US" smtClean="0"/>
               <a:pPr/>
-              <a:t>2/27/2013</a:t>
+              <a:t>2/28/2013</a:t>
             </a:fld>
             <a:endParaRPr lang="en-US"/>
           </a:p>
@@ -5100,7 +5105,7 @@
             <a:fld id="{AD5BE982-B57F-4C1B-9882-5ABB75DCB671}" type="datetimeFigureOut">
               <a:rPr lang="en-US" smtClean="0"/>
               <a:pPr/>
-              <a:t>2/27/2013</a:t>
+              <a:t>2/28/2013</a:t>
             </a:fld>
             <a:endParaRPr lang="en-US"/>
           </a:p>
@@ -5471,7 +5476,7 @@
             <a:fld id="{AD5BE982-B57F-4C1B-9882-5ABB75DCB671}" type="datetimeFigureOut">
               <a:rPr lang="en-US" smtClean="0"/>
               <a:pPr/>
-              <a:t>2/27/2013</a:t>
+              <a:t>2/28/2013</a:t>
             </a:fld>
             <a:endParaRPr lang="en-US"/>
           </a:p>
@@ -5891,7 +5896,7 @@
             <a:fld id="{AD5BE982-B57F-4C1B-9882-5ABB75DCB671}" type="datetimeFigureOut">
               <a:rPr lang="en-US" smtClean="0"/>
               <a:pPr/>
-              <a:t>2/27/2013</a:t>
+              <a:t>2/28/2013</a:t>
             </a:fld>
             <a:endParaRPr lang="en-US"/>
           </a:p>
@@ -7237,85 +7242,18 @@
                 <a:latin typeface="Calibri" pitchFamily="34" charset="0"/>
                 <a:cs typeface="Calibri" pitchFamily="34" charset="0"/>
               </a:rPr>
-              <a:t>Options </a:t>
-            </a:r>
-            <a:r>
-              <a:rPr lang="en" b="1" dirty="0" smtClean="0">
-                <a:solidFill>
-                  <a:srgbClr val="00B050"/>
+              <a:t>Options 1, Any characters. </a:t>
+            </a:r>
+            <a:r>
+              <a:rPr lang="en" dirty="0" smtClean="0">
+                <a:solidFill>
+                  <a:srgbClr val="000000"/>
                 </a:solidFill>
                 <a:latin typeface="Calibri" pitchFamily="34" charset="0"/>
                 <a:cs typeface="Calibri" pitchFamily="34" charset="0"/>
               </a:rPr>
-              <a:t>1, Any characters</a:t>
-            </a:r>
-            <a:r>
-              <a:rPr lang="en" b="1" dirty="0" smtClean="0">
-                <a:solidFill>
-                  <a:srgbClr val="00B050"/>
-                </a:solidFill>
-                <a:latin typeface="Calibri" pitchFamily="34" charset="0"/>
-                <a:cs typeface="Calibri" pitchFamily="34" charset="0"/>
-              </a:rPr>
-              <a:t>. </a:t>
-            </a:r>
-            <a:r>
-              <a:rPr lang="en" dirty="0" smtClean="0">
-                <a:solidFill>
-                  <a:srgbClr val="000000"/>
-                </a:solidFill>
-                <a:latin typeface="Calibri" pitchFamily="34" charset="0"/>
-                <a:cs typeface="Calibri" pitchFamily="34" charset="0"/>
-              </a:rPr>
-              <a:t>T</a:t>
-            </a:r>
-            <a:r>
-              <a:rPr lang="en" dirty="0" smtClean="0">
-                <a:solidFill>
-                  <a:srgbClr val="000000"/>
-                </a:solidFill>
-                <a:latin typeface="Calibri" pitchFamily="34" charset="0"/>
-                <a:cs typeface="Calibri" pitchFamily="34" charset="0"/>
-              </a:rPr>
-              <a:t>he </a:t>
-            </a:r>
-            <a:r>
-              <a:rPr lang="en" dirty="0" smtClean="0">
-                <a:solidFill>
-                  <a:srgbClr val="000000"/>
-                </a:solidFill>
-                <a:latin typeface="Calibri" pitchFamily="34" charset="0"/>
-                <a:cs typeface="Calibri" pitchFamily="34" charset="0"/>
-              </a:rPr>
-              <a:t>system </a:t>
-            </a:r>
-            <a:r>
-              <a:rPr lang="en" dirty="0" smtClean="0">
-                <a:solidFill>
-                  <a:srgbClr val="000000"/>
-                </a:solidFill>
-                <a:latin typeface="Calibri" pitchFamily="34" charset="0"/>
-                <a:cs typeface="Calibri" pitchFamily="34" charset="0"/>
-              </a:rPr>
-              <a:t>shall accept any characters as input and is circular shifted. </a:t>
-            </a:r>
-            <a:r>
-              <a:rPr lang="en" dirty="0" smtClean="0">
-                <a:solidFill>
-                  <a:srgbClr val="000000"/>
-                </a:solidFill>
-                <a:latin typeface="Calibri" pitchFamily="34" charset="0"/>
-                <a:cs typeface="Calibri" pitchFamily="34" charset="0"/>
-              </a:rPr>
-              <a:t>Any non-alphanumeric character is removed by the alphabetizer before sorting.</a:t>
-            </a:r>
-            <a:endParaRPr lang="en" dirty="0" smtClean="0">
-              <a:solidFill>
-                <a:srgbClr val="000000"/>
-              </a:solidFill>
-              <a:latin typeface="Calibri" pitchFamily="34" charset="0"/>
-              <a:cs typeface="Calibri" pitchFamily="34" charset="0"/>
-            </a:endParaRPr>
+              <a:t>The system shall accept any characters as input and is circular shifted. Any non-alphanumeric character is removed by the alphabetizer before sorting.</a:t>
+            </a:r>
           </a:p>
           <a:p>
             <a:pPr lvl="0">
@@ -7345,7 +7283,7 @@
     </p:spTree>
     <p:extLst>
       <p:ext uri="{BB962C8B-B14F-4D97-AF65-F5344CB8AC3E}">
-        <p14:creationId xmlns:p14="http://schemas.microsoft.com/office/powerpoint/2010/main" xmlns="" val="1679138518"/>
+        <p14:creationId xmlns:p14="http://schemas.microsoft.com/office/powerpoint/2010/main" val="1679138518"/>
       </p:ext>
     </p:extLst>
   </p:cSld>
@@ -7705,7 +7643,7 @@
     </p:spTree>
     <p:extLst>
       <p:ext uri="{BB962C8B-B14F-4D97-AF65-F5344CB8AC3E}">
-        <p14:creationId xmlns:p14="http://schemas.microsoft.com/office/powerpoint/2010/main" xmlns="" val="4192123548"/>
+        <p14:creationId xmlns:p14="http://schemas.microsoft.com/office/powerpoint/2010/main" val="4192123548"/>
       </p:ext>
     </p:extLst>
   </p:cSld>
@@ -7823,27 +7761,7 @@
                 <a:latin typeface="Calibri" pitchFamily="34" charset="0"/>
                 <a:cs typeface="Calibri" pitchFamily="34" charset="0"/>
               </a:rPr>
-              <a:t>The system shall accept key stroke and pasted </a:t>
-            </a:r>
-            <a:r>
-              <a:rPr lang="en" dirty="0" smtClean="0">
-                <a:solidFill>
-                  <a:srgbClr val="000000"/>
-                </a:solidFill>
-                <a:latin typeface="Calibri" pitchFamily="34" charset="0"/>
-                <a:cs typeface="Calibri" pitchFamily="34" charset="0"/>
-              </a:rPr>
-              <a:t>characters </a:t>
-            </a:r>
-            <a:r>
-              <a:rPr lang="en" dirty="0" smtClean="0">
-                <a:solidFill>
-                  <a:srgbClr val="000000"/>
-                </a:solidFill>
-                <a:latin typeface="Calibri" pitchFamily="34" charset="0"/>
-                <a:cs typeface="Calibri" pitchFamily="34" charset="0"/>
-              </a:rPr>
-              <a:t>as input.</a:t>
+              <a:t>The system shall accept key stroke and pasted characters as input.</a:t>
             </a:r>
           </a:p>
           <a:p>
@@ -8145,7 +8063,7 @@
     </p:spTree>
     <p:extLst>
       <p:ext uri="{BB962C8B-B14F-4D97-AF65-F5344CB8AC3E}">
-        <p14:creationId xmlns:p14="http://schemas.microsoft.com/office/powerpoint/2010/main" xmlns="" val="2320519015"/>
+        <p14:creationId xmlns:p14="http://schemas.microsoft.com/office/powerpoint/2010/main" val="2320519015"/>
       </p:ext>
     </p:extLst>
   </p:cSld>
@@ -8692,7 +8610,7 @@
     </p:spTree>
     <p:extLst>
       <p:ext uri="{BB962C8B-B14F-4D97-AF65-F5344CB8AC3E}">
-        <p14:creationId xmlns:p14="http://schemas.microsoft.com/office/powerpoint/2010/main" xmlns="" val="2215891565"/>
+        <p14:creationId xmlns:p14="http://schemas.microsoft.com/office/powerpoint/2010/main" val="2215891565"/>
       </p:ext>
     </p:extLst>
   </p:cSld>
@@ -9008,7 +8926,7 @@
     </p:spTree>
     <p:extLst>
       <p:ext uri="{BB962C8B-B14F-4D97-AF65-F5344CB8AC3E}">
-        <p14:creationId xmlns:p14="http://schemas.microsoft.com/office/powerpoint/2010/main" xmlns="" val="959189811"/>
+        <p14:creationId xmlns:p14="http://schemas.microsoft.com/office/powerpoint/2010/main" val="959189811"/>
       </p:ext>
     </p:extLst>
   </p:cSld>
@@ -9207,7 +9125,7 @@
     </p:spTree>
     <p:extLst>
       <p:ext uri="{BB962C8B-B14F-4D97-AF65-F5344CB8AC3E}">
-        <p14:creationId xmlns:p14="http://schemas.microsoft.com/office/powerpoint/2010/main" xmlns="" val="1011310707"/>
+        <p14:creationId xmlns:p14="http://schemas.microsoft.com/office/powerpoint/2010/main" val="1011310707"/>
       </p:ext>
     </p:extLst>
   </p:cSld>
@@ -9760,7 +9678,7 @@
     </p:spTree>
     <p:extLst>
       <p:ext uri="{BB962C8B-B14F-4D97-AF65-F5344CB8AC3E}">
-        <p14:creationId xmlns:p14="http://schemas.microsoft.com/office/powerpoint/2010/main" xmlns="" val="3081455133"/>
+        <p14:creationId xmlns:p14="http://schemas.microsoft.com/office/powerpoint/2010/main" val="3081455133"/>
       </p:ext>
     </p:extLst>
   </p:cSld>
@@ -9876,7 +9794,7 @@
     </p:spTree>
     <p:extLst>
       <p:ext uri="{BB962C8B-B14F-4D97-AF65-F5344CB8AC3E}">
-        <p14:creationId xmlns:p14="http://schemas.microsoft.com/office/powerpoint/2010/main" xmlns="" val="3865410476"/>
+        <p14:creationId xmlns:p14="http://schemas.microsoft.com/office/powerpoint/2010/main" val="3865410476"/>
       </p:ext>
     </p:extLst>
   </p:cSld>
@@ -10326,7 +10244,7 @@
     </p:spTree>
     <p:extLst>
       <p:ext uri="{BB962C8B-B14F-4D97-AF65-F5344CB8AC3E}">
-        <p14:creationId xmlns:p14="http://schemas.microsoft.com/office/powerpoint/2010/main" xmlns="" val="1025760033"/>
+        <p14:creationId xmlns:p14="http://schemas.microsoft.com/office/powerpoint/2010/main" val="1025760033"/>
       </p:ext>
     </p:extLst>
   </p:cSld>
@@ -10542,7 +10460,7 @@
     </p:spTree>
     <p:extLst>
       <p:ext uri="{BB962C8B-B14F-4D97-AF65-F5344CB8AC3E}">
-        <p14:creationId xmlns:p14="http://schemas.microsoft.com/office/powerpoint/2010/main" xmlns="" val="2065368960"/>
+        <p14:creationId xmlns:p14="http://schemas.microsoft.com/office/powerpoint/2010/main" val="2065368960"/>
       </p:ext>
     </p:extLst>
   </p:cSld>
@@ -10643,7 +10561,7 @@
           <a:blip r:embed="rId3" cstate="print">
             <a:extLst>
               <a:ext uri="{28A0092B-C50C-407E-A947-70E740481C1C}">
-                <a14:useLocalDpi xmlns:a14="http://schemas.microsoft.com/office/drawing/2010/main" xmlns="" val="0"/>
+                <a14:useLocalDpi xmlns:a14="http://schemas.microsoft.com/office/drawing/2010/main" val="0"/>
               </a:ext>
             </a:extLst>
           </a:blip>
@@ -10664,7 +10582,7 @@
     </p:spTree>
     <p:extLst>
       <p:ext uri="{BB962C8B-B14F-4D97-AF65-F5344CB8AC3E}">
-        <p14:creationId xmlns:p14="http://schemas.microsoft.com/office/powerpoint/2010/main" xmlns="" val="1990650751"/>
+        <p14:creationId xmlns:p14="http://schemas.microsoft.com/office/powerpoint/2010/main" val="1990650751"/>
       </p:ext>
     </p:extLst>
   </p:cSld>
@@ -11065,7 +10983,7 @@
     </p:spTree>
     <p:extLst>
       <p:ext uri="{BB962C8B-B14F-4D97-AF65-F5344CB8AC3E}">
-        <p14:creationId xmlns:p14="http://schemas.microsoft.com/office/powerpoint/2010/main" xmlns="" val="179277558"/>
+        <p14:creationId xmlns:p14="http://schemas.microsoft.com/office/powerpoint/2010/main" val="179277558"/>
       </p:ext>
     </p:extLst>
   </p:cSld>
@@ -11151,7 +11069,7 @@
     </p:spTree>
     <p:extLst>
       <p:ext uri="{BB962C8B-B14F-4D97-AF65-F5344CB8AC3E}">
-        <p14:creationId xmlns:p14="http://schemas.microsoft.com/office/powerpoint/2010/main" xmlns="" val="2585971518"/>
+        <p14:creationId xmlns:p14="http://schemas.microsoft.com/office/powerpoint/2010/main" val="2585971518"/>
       </p:ext>
     </p:extLst>
   </p:cSld>
@@ -11219,15 +11137,7 @@
                   <a:schemeClr val="tx1"/>
                 </a:solidFill>
               </a:rPr>
-              <a:t>			</a:t>
-            </a:r>
-            <a:r>
-              <a:rPr lang="en" sz="3200" b="0" kern="1200" dirty="0" smtClean="0">
-                <a:solidFill>
-                  <a:schemeClr val="tx1"/>
-                </a:solidFill>
-              </a:rPr>
-              <a:t>Implementation</a:t>
+              <a:t>			Implementation</a:t>
             </a:r>
             <a:endParaRPr lang="en" sz="3200" b="0" kern="1200" dirty="0">
               <a:solidFill>
@@ -11319,15 +11229,7 @@
                   <a:srgbClr val="000000"/>
                 </a:solidFill>
               </a:rPr>
-              <a:t>Eclipse</a:t>
-            </a:r>
-            <a:r>
-              <a:rPr lang="en" sz="2400" dirty="0" smtClean="0">
-                <a:solidFill>
-                  <a:srgbClr val="000000"/>
-                </a:solidFill>
-              </a:rPr>
-              <a:t>.</a:t>
+              <a:t>Eclipse.</a:t>
             </a:r>
           </a:p>
           <a:p>
@@ -11351,21 +11253,8 @@
                   <a:srgbClr val="000000"/>
                 </a:solidFill>
               </a:rPr>
-              <a:t>Pipe and Filter and Shared Data has been used</a:t>
-            </a:r>
-            <a:r>
-              <a:rPr lang="en" sz="2400" dirty="0" smtClean="0">
-                <a:solidFill>
-                  <a:srgbClr val="000000"/>
-                </a:solidFill>
-              </a:rPr>
-              <a:t>.</a:t>
-            </a:r>
-            <a:endParaRPr lang="en" sz="2400" dirty="0" smtClean="0">
-              <a:solidFill>
-                <a:srgbClr val="000000"/>
-              </a:solidFill>
-            </a:endParaRPr>
+              <a:t>Pipe and Filter and Shared Data has been used.</a:t>
+            </a:r>
           </a:p>
           <a:p>
             <a:pPr marL="381000" lvl="0" rtl="0">
@@ -11507,7 +11396,7 @@
     </p:spTree>
     <p:extLst>
       <p:ext uri="{BB962C8B-B14F-4D97-AF65-F5344CB8AC3E}">
-        <p14:creationId xmlns:p14="http://schemas.microsoft.com/office/powerpoint/2010/main" xmlns="" val="1123527914"/>
+        <p14:creationId xmlns:p14="http://schemas.microsoft.com/office/powerpoint/2010/main" val="1123527914"/>
       </p:ext>
     </p:extLst>
   </p:cSld>
@@ -11584,7 +11473,7 @@
     </p:spTree>
     <p:extLst>
       <p:ext uri="{BB962C8B-B14F-4D97-AF65-F5344CB8AC3E}">
-        <p14:creationId xmlns:p14="http://schemas.microsoft.com/office/powerpoint/2010/main" xmlns="" val="1669697924"/>
+        <p14:creationId xmlns:p14="http://schemas.microsoft.com/office/powerpoint/2010/main" val="1669697924"/>
       </p:ext>
     </p:extLst>
   </p:cSld>
@@ -11663,7 +11552,7 @@
     </p:spTree>
     <p:extLst>
       <p:ext uri="{BB962C8B-B14F-4D97-AF65-F5344CB8AC3E}">
-        <p14:creationId xmlns:p14="http://schemas.microsoft.com/office/powerpoint/2010/main" xmlns="" val="1115320968"/>
+        <p14:creationId xmlns:p14="http://schemas.microsoft.com/office/powerpoint/2010/main" val="1115320968"/>
       </p:ext>
     </p:extLst>
   </p:cSld>
@@ -11769,9 +11658,21 @@
             <a:pPr>
               <a:buNone/>
             </a:pPr>
+            <a:endParaRPr lang="en-US" sz="2000" dirty="0" smtClean="0"/>
+          </a:p>
+          <a:p>
+            <a:pPr>
+              <a:buNone/>
+            </a:pPr>
+            <a:endParaRPr lang="en-US" sz="2000" dirty="0"/>
+          </a:p>
+          <a:p>
+            <a:pPr>
+              <a:buNone/>
+            </a:pPr>
             <a:r>
               <a:rPr lang="en-US" sz="2000" dirty="0" smtClean="0"/>
-              <a:t>Leadership Rotation “to be updated”</a:t>
+              <a:t>Leadership Rotation to be followed</a:t>
             </a:r>
           </a:p>
           <a:p>
@@ -11794,15 +11695,6 @@
               <a:buNone/>
             </a:pPr>
             <a:endParaRPr lang="en-US" sz="2400" dirty="0" smtClean="0"/>
-          </a:p>
-          <a:p>
-            <a:pPr>
-              <a:buNone/>
-            </a:pPr>
-            <a:r>
-              <a:rPr lang="en-US" sz="2000" dirty="0" smtClean="0"/>
-              <a:t>Role Rotation</a:t>
-            </a:r>
           </a:p>
           <a:p>
             <a:pPr>
@@ -11818,10 +11710,16 @@
           <p:cNvGraphicFramePr>
             <a:graphicFrameLocks noGrp="1"/>
           </p:cNvGraphicFramePr>
-          <p:nvPr/>
+          <p:nvPr>
+            <p:extLst>
+              <p:ext uri="{D42A27DB-BD31-4B8C-83A1-F6EECF244321}">
+                <p14:modId xmlns:p14="http://schemas.microsoft.com/office/powerpoint/2010/main" val="4096200012"/>
+              </p:ext>
+            </p:extLst>
+          </p:nvPr>
         </p:nvGraphicFramePr>
         <p:xfrm>
-          <a:off x="762000" y="1676400"/>
+          <a:off x="685800" y="2590800"/>
           <a:ext cx="7543800" cy="1828800"/>
         </p:xfrm>
         <a:graphic>
@@ -11913,6 +11811,136 @@
                         <a:ea typeface="Times New Roman"/>
                         <a:cs typeface="Times New Roman"/>
                       </a:endParaRPr>
+                    </a:p>
+                  </a:txBody>
+                  <a:tcPr marL="68580" marR="68580" marT="0" marB="0">
+                    <a:solidFill>
+                      <a:schemeClr val="accent5">
+                        <a:lumMod val="20000"/>
+                        <a:lumOff val="80000"/>
+                      </a:schemeClr>
+                    </a:solidFill>
+                  </a:tcPr>
+                </a:tc>
+                <a:tc>
+                  <a:txBody>
+                    <a:bodyPr/>
+                    <a:lstStyle/>
+                    <a:p>
+                      <a:r>
+                        <a:rPr lang="en-US" dirty="0" err="1" smtClean="0"/>
+                        <a:t>Hariprasad</a:t>
+                      </a:r>
+                      <a:r>
+                        <a:rPr lang="en-US" dirty="0" smtClean="0"/>
+                        <a:t> </a:t>
+                      </a:r>
+                      <a:r>
+                        <a:rPr lang="en-US" dirty="0" err="1" smtClean="0"/>
+                        <a:t>Natarajan</a:t>
+                      </a:r>
+                      <a:endParaRPr lang="en-US" dirty="0"/>
+                    </a:p>
+                  </a:txBody>
+                  <a:tcPr>
+                    <a:solidFill>
+                      <a:schemeClr val="accent5">
+                        <a:lumMod val="20000"/>
+                        <a:lumOff val="80000"/>
+                      </a:schemeClr>
+                    </a:solidFill>
+                  </a:tcPr>
+                </a:tc>
+              </a:tr>
+              <a:tr h="365760">
+                <a:tc>
+                  <a:txBody>
+                    <a:bodyPr/>
+                    <a:lstStyle/>
+                    <a:p>
+                      <a:pPr marL="0" marR="0" algn="l" rtl="0" eaLnBrk="1" latinLnBrk="0" hangingPunct="1">
+                        <a:lnSpc>
+                          <a:spcPct val="115000"/>
+                        </a:lnSpc>
+                        <a:spcBef>
+                          <a:spcPts val="0"/>
+                        </a:spcBef>
+                        <a:spcAft>
+                          <a:spcPts val="1000"/>
+                        </a:spcAft>
+                      </a:pPr>
+                      <a:r>
+                        <a:rPr kumimoji="0" lang="en-US" sz="1600" kern="1200" dirty="0">
+                          <a:solidFill>
+                            <a:schemeClr val="dk1"/>
+                          </a:solidFill>
+                          <a:effectLst/>
+                          <a:latin typeface="Calibri"/>
+                          <a:ea typeface="Times New Roman"/>
+                          <a:cs typeface="Calibri"/>
+                        </a:rPr>
+                        <a:t>Phase I - Final</a:t>
+                      </a:r>
+                    </a:p>
+                  </a:txBody>
+                  <a:tcPr marL="68580" marR="68580" marT="0" marB="0">
+                    <a:noFill/>
+                  </a:tcPr>
+                </a:tc>
+                <a:tc>
+                  <a:txBody>
+                    <a:bodyPr/>
+                    <a:lstStyle/>
+                    <a:p>
+                      <a:r>
+                        <a:rPr lang="en-US" dirty="0" err="1" smtClean="0"/>
+                        <a:t>Prasanna</a:t>
+                      </a:r>
+                      <a:r>
+                        <a:rPr lang="en-US" dirty="0" smtClean="0"/>
+                        <a:t> </a:t>
+                      </a:r>
+                      <a:r>
+                        <a:rPr lang="en-US" dirty="0" err="1" smtClean="0"/>
+                        <a:t>Venkatesh</a:t>
+                      </a:r>
+                      <a:endParaRPr lang="en-US" dirty="0"/>
+                    </a:p>
+                  </a:txBody>
+                  <a:tcPr>
+                    <a:noFill/>
+                  </a:tcPr>
+                </a:tc>
+              </a:tr>
+              <a:tr h="365760">
+                <a:tc>
+                  <a:txBody>
+                    <a:bodyPr/>
+                    <a:lstStyle/>
+                    <a:p>
+                      <a:pPr marL="0" marR="0" algn="l" rtl="0" eaLnBrk="1" latinLnBrk="0" hangingPunct="1">
+                        <a:lnSpc>
+                          <a:spcPct val="115000"/>
+                        </a:lnSpc>
+                        <a:spcBef>
+                          <a:spcPts val="0"/>
+                        </a:spcBef>
+                        <a:spcAft>
+                          <a:spcPts val="1000"/>
+                        </a:spcAft>
+                      </a:pPr>
+                      <a:r>
+                        <a:rPr kumimoji="0" lang="en-US" sz="1600" kern="1200" dirty="0">
+                          <a:solidFill>
+                            <a:schemeClr val="dk1"/>
+                          </a:solidFill>
+                          <a:effectLst/>
+                          <a:latin typeface="Calibri"/>
+                          <a:ea typeface="Times New Roman"/>
+                          <a:cs typeface="Calibri"/>
+                        </a:rPr>
+                        <a:t>Phase II- Interim</a:t>
+                      </a:r>
                     </a:p>
                   </a:txBody>
                   <a:tcPr marL="68580" marR="68580" marT="0" marB="0">
@@ -11969,112 +11997,6 @@
                           <a:ea typeface="Times New Roman"/>
                           <a:cs typeface="Calibri"/>
                         </a:rPr>
-                        <a:t>Phase I - Final</a:t>
-                      </a:r>
-                    </a:p>
-                  </a:txBody>
-                  <a:tcPr marL="68580" marR="68580" marT="0" marB="0">
-                    <a:noFill/>
-                  </a:tcPr>
-                </a:tc>
-                <a:tc>
-                  <a:txBody>
-                    <a:bodyPr/>
-                    <a:lstStyle/>
-                    <a:p>
-                      <a:endParaRPr lang="en-US" dirty="0"/>
-                    </a:p>
-                  </a:txBody>
-                  <a:tcPr>
-                    <a:noFill/>
-                  </a:tcPr>
-                </a:tc>
-              </a:tr>
-              <a:tr h="365760">
-                <a:tc>
-                  <a:txBody>
-                    <a:bodyPr/>
-                    <a:lstStyle/>
-                    <a:p>
-                      <a:pPr marL="0" marR="0" algn="l" rtl="0" eaLnBrk="1" latinLnBrk="0" hangingPunct="1">
-                        <a:lnSpc>
-                          <a:spcPct val="115000"/>
-                        </a:lnSpc>
-                        <a:spcBef>
-                          <a:spcPts val="0"/>
-                        </a:spcBef>
-                        <a:spcAft>
-                          <a:spcPts val="1000"/>
-                        </a:spcAft>
-                      </a:pPr>
-                      <a:r>
-                        <a:rPr kumimoji="0" lang="en-US" sz="1600" kern="1200" dirty="0">
-                          <a:solidFill>
-                            <a:schemeClr val="dk1"/>
-                          </a:solidFill>
-                          <a:effectLst/>
-                          <a:latin typeface="Calibri"/>
-                          <a:ea typeface="Times New Roman"/>
-                          <a:cs typeface="Calibri"/>
-                        </a:rPr>
-                        <a:t>Phase II- Interim</a:t>
-                      </a:r>
-                    </a:p>
-                  </a:txBody>
-                  <a:tcPr marL="68580" marR="68580" marT="0" marB="0">
-                    <a:solidFill>
-                      <a:schemeClr val="accent5">
-                        <a:lumMod val="20000"/>
-                        <a:lumOff val="80000"/>
-                      </a:schemeClr>
-                    </a:solidFill>
-                  </a:tcPr>
-                </a:tc>
-                <a:tc>
-                  <a:txBody>
-                    <a:bodyPr/>
-                    <a:lstStyle/>
-                    <a:p>
-                      <a:endParaRPr lang="en-US" dirty="0"/>
-                    </a:p>
-                  </a:txBody>
-                  <a:tcPr>
-                    <a:solidFill>
-                      <a:schemeClr val="accent5">
-                        <a:lumMod val="20000"/>
-                        <a:lumOff val="80000"/>
-                      </a:schemeClr>
-                    </a:solidFill>
-                  </a:tcPr>
-                </a:tc>
-              </a:tr>
-              <a:tr h="365760">
-                <a:tc>
-                  <a:txBody>
-                    <a:bodyPr/>
-                    <a:lstStyle/>
-                    <a:p>
-                      <a:pPr marL="0" marR="0" algn="l" rtl="0" eaLnBrk="1" latinLnBrk="0" hangingPunct="1">
-                        <a:lnSpc>
-                          <a:spcPct val="115000"/>
-                        </a:lnSpc>
-                        <a:spcBef>
-                          <a:spcPts val="0"/>
-                        </a:spcBef>
-                        <a:spcAft>
-                          <a:spcPts val="1000"/>
-                        </a:spcAft>
-                      </a:pPr>
-                      <a:r>
-                        <a:rPr kumimoji="0" lang="en-US" sz="1600" kern="1200" dirty="0">
-                          <a:solidFill>
-                            <a:schemeClr val="dk1"/>
-                          </a:solidFill>
-                          <a:effectLst/>
-                          <a:latin typeface="Calibri"/>
-                          <a:ea typeface="Times New Roman"/>
-                          <a:cs typeface="Calibri"/>
-                        </a:rPr>
                         <a:t>Phase II - Final</a:t>
                       </a:r>
                     </a:p>
@@ -12100,302 +12022,10 @@
           </a:graphicData>
         </a:graphic>
       </p:graphicFrame>
-      <p:graphicFrame>
-        <p:nvGraphicFramePr>
-          <p:cNvPr id="12" name="Table 11"/>
-          <p:cNvGraphicFramePr>
-            <a:graphicFrameLocks noGrp="1"/>
-          </p:cNvGraphicFramePr>
-          <p:nvPr/>
-        </p:nvGraphicFramePr>
-        <p:xfrm>
-          <a:off x="685800" y="4343400"/>
-          <a:ext cx="7696200" cy="1417320"/>
-        </p:xfrm>
-        <a:graphic>
-          <a:graphicData uri="http://schemas.openxmlformats.org/drawingml/2006/table">
-            <a:tbl>
-              <a:tblPr firstRow="1" bandRow="1">
-                <a:tableStyleId>{5C22544A-7EE6-4342-B048-85BDC9FD1C3A}</a:tableStyleId>
-              </a:tblPr>
-              <a:tblGrid>
-                <a:gridCol w="1321570"/>
-                <a:gridCol w="1756910"/>
-                <a:gridCol w="1539240"/>
-                <a:gridCol w="1834650"/>
-                <a:gridCol w="1243830"/>
-              </a:tblGrid>
-              <a:tr h="685800">
-                <a:tc>
-                  <a:txBody>
-                    <a:bodyPr/>
-                    <a:lstStyle/>
-                    <a:p>
-                      <a:r>
-                        <a:rPr lang="en-US" sz="1400" dirty="0" smtClean="0"/>
-                        <a:t>Phase</a:t>
-                      </a:r>
-                      <a:endParaRPr lang="en-US" sz="1400" dirty="0"/>
-                    </a:p>
-                  </a:txBody>
-                  <a:tcPr>
-                    <a:solidFill>
-                      <a:srgbClr val="7030A0"/>
-                    </a:solidFill>
-                  </a:tcPr>
-                </a:tc>
-                <a:tc>
-                  <a:txBody>
-                    <a:bodyPr/>
-                    <a:lstStyle/>
-                    <a:p>
-                      <a:r>
-                        <a:rPr lang="en-US" sz="1400" dirty="0" smtClean="0"/>
-                        <a:t>Requirements Engineering</a:t>
-                      </a:r>
-                      <a:endParaRPr lang="en-US" sz="1400" dirty="0"/>
-                    </a:p>
-                  </a:txBody>
-                  <a:tcPr>
-                    <a:solidFill>
-                      <a:srgbClr val="7030A0"/>
-                    </a:solidFill>
-                  </a:tcPr>
-                </a:tc>
-                <a:tc>
-                  <a:txBody>
-                    <a:bodyPr/>
-                    <a:lstStyle/>
-                    <a:p>
-                      <a:r>
-                        <a:rPr lang="en-US" sz="1400" dirty="0" smtClean="0"/>
-                        <a:t>Architecture</a:t>
-                      </a:r>
-                      <a:endParaRPr lang="en-US" sz="1400" dirty="0"/>
-                    </a:p>
-                  </a:txBody>
-                  <a:tcPr>
-                    <a:solidFill>
-                      <a:srgbClr val="7030A0"/>
-                    </a:solidFill>
-                  </a:tcPr>
-                </a:tc>
-                <a:tc>
-                  <a:txBody>
-                    <a:bodyPr/>
-                    <a:lstStyle/>
-                    <a:p>
-                      <a:r>
-                        <a:rPr lang="en-US" sz="1400" dirty="0" smtClean="0"/>
-                        <a:t>Implementation</a:t>
-                      </a:r>
-                      <a:endParaRPr lang="en-US" sz="1400" dirty="0"/>
-                    </a:p>
-                  </a:txBody>
-                  <a:tcPr>
-                    <a:solidFill>
-                      <a:srgbClr val="7030A0"/>
-                    </a:solidFill>
-                  </a:tcPr>
-                </a:tc>
-                <a:tc>
-                  <a:txBody>
-                    <a:bodyPr/>
-                    <a:lstStyle/>
-                    <a:p>
-                      <a:r>
-                        <a:rPr lang="en-US" sz="1400" dirty="0" smtClean="0"/>
-                        <a:t>Testing</a:t>
-                      </a:r>
-                      <a:endParaRPr lang="en-US" sz="1400" dirty="0"/>
-                    </a:p>
-                  </a:txBody>
-                  <a:tcPr>
-                    <a:solidFill>
-                      <a:srgbClr val="7030A0"/>
-                    </a:solidFill>
-                  </a:tcPr>
-                </a:tc>
-              </a:tr>
-              <a:tr h="307407">
-                <a:tc>
-                  <a:txBody>
-                    <a:bodyPr/>
-                    <a:lstStyle/>
-                    <a:p>
-                      <a:r>
-                        <a:rPr lang="en-US" sz="1800" dirty="0" smtClean="0">
-                          <a:effectLst/>
-                          <a:latin typeface="Calibri"/>
-                          <a:ea typeface="Times New Roman"/>
-                          <a:cs typeface="Calibri"/>
-                        </a:rPr>
-                        <a:t>Phase I</a:t>
-                      </a:r>
-                      <a:r>
-                        <a:rPr lang="en-US" dirty="0" smtClean="0"/>
-                        <a:t> </a:t>
-                      </a:r>
-                      <a:endParaRPr lang="en-US" dirty="0"/>
-                    </a:p>
-                  </a:txBody>
-                  <a:tcPr>
-                    <a:solidFill>
-                      <a:schemeClr val="accent5">
-                        <a:lumMod val="20000"/>
-                        <a:lumOff val="80000"/>
-                      </a:schemeClr>
-                    </a:solidFill>
-                  </a:tcPr>
-                </a:tc>
-                <a:tc>
-                  <a:txBody>
-                    <a:bodyPr/>
-                    <a:lstStyle/>
-                    <a:p>
-                      <a:endParaRPr lang="en-US" dirty="0"/>
-                    </a:p>
-                  </a:txBody>
-                  <a:tcPr>
-                    <a:solidFill>
-                      <a:schemeClr val="accent5">
-                        <a:lumMod val="20000"/>
-                        <a:lumOff val="80000"/>
-                      </a:schemeClr>
-                    </a:solidFill>
-                  </a:tcPr>
-                </a:tc>
-                <a:tc>
-                  <a:txBody>
-                    <a:bodyPr/>
-                    <a:lstStyle/>
-                    <a:p>
-                      <a:endParaRPr lang="en-US" dirty="0"/>
-                    </a:p>
-                  </a:txBody>
-                  <a:tcPr>
-                    <a:solidFill>
-                      <a:schemeClr val="accent5">
-                        <a:lumMod val="20000"/>
-                        <a:lumOff val="80000"/>
-                      </a:schemeClr>
-                    </a:solidFill>
-                  </a:tcPr>
-                </a:tc>
-                <a:tc>
-                  <a:txBody>
-                    <a:bodyPr/>
-                    <a:lstStyle/>
-                    <a:p>
-                      <a:endParaRPr lang="en-US" dirty="0"/>
-                    </a:p>
-                  </a:txBody>
-                  <a:tcPr>
-                    <a:solidFill>
-                      <a:schemeClr val="accent5">
-                        <a:lumMod val="20000"/>
-                        <a:lumOff val="80000"/>
-                      </a:schemeClr>
-                    </a:solidFill>
-                  </a:tcPr>
-                </a:tc>
-                <a:tc>
-                  <a:txBody>
-                    <a:bodyPr/>
-                    <a:lstStyle/>
-                    <a:p>
-                      <a:endParaRPr lang="en-US" dirty="0"/>
-                    </a:p>
-                  </a:txBody>
-                  <a:tcPr>
-                    <a:solidFill>
-                      <a:schemeClr val="accent5">
-                        <a:lumMod val="20000"/>
-                        <a:lumOff val="80000"/>
-                      </a:schemeClr>
-                    </a:solidFill>
-                  </a:tcPr>
-                </a:tc>
-              </a:tr>
-              <a:tr h="307407">
-                <a:tc>
-                  <a:txBody>
-                    <a:bodyPr/>
-                    <a:lstStyle/>
-                    <a:p>
-                      <a:r>
-                        <a:rPr lang="en-US" sz="1800" dirty="0" smtClean="0">
-                          <a:effectLst/>
-                          <a:latin typeface="Calibri"/>
-                          <a:ea typeface="Times New Roman"/>
-                          <a:cs typeface="Calibri"/>
-                        </a:rPr>
-                        <a:t>Phase II</a:t>
-                      </a:r>
-                      <a:endParaRPr lang="en-US" dirty="0"/>
-                    </a:p>
-                  </a:txBody>
-                  <a:tcPr>
-                    <a:noFill/>
-                  </a:tcPr>
-                </a:tc>
-                <a:tc>
-                  <a:txBody>
-                    <a:bodyPr/>
-                    <a:lstStyle/>
-                    <a:p>
-                      <a:endParaRPr lang="en-US" dirty="0"/>
-                    </a:p>
-                  </a:txBody>
-                  <a:tcPr>
-                    <a:noFill/>
-                  </a:tcPr>
-                </a:tc>
-                <a:tc>
-                  <a:txBody>
-                    <a:bodyPr/>
-                    <a:lstStyle/>
-                    <a:p>
-                      <a:endParaRPr lang="en-US" dirty="0"/>
-                    </a:p>
-                  </a:txBody>
-                  <a:tcPr>
-                    <a:noFill/>
-                  </a:tcPr>
-                </a:tc>
-                <a:tc>
-                  <a:txBody>
-                    <a:bodyPr/>
-                    <a:lstStyle/>
-                    <a:p>
-                      <a:endParaRPr lang="en-US" dirty="0"/>
-                    </a:p>
-                  </a:txBody>
-                  <a:tcPr>
-                    <a:noFill/>
-                  </a:tcPr>
-                </a:tc>
-                <a:tc>
-                  <a:txBody>
-                    <a:bodyPr/>
-                    <a:lstStyle/>
-                    <a:p>
-                      <a:endParaRPr lang="en-US" dirty="0"/>
-                    </a:p>
-                  </a:txBody>
-                  <a:tcPr>
-                    <a:noFill/>
-                  </a:tcPr>
-                </a:tc>
-              </a:tr>
-            </a:tbl>
-          </a:graphicData>
-        </a:graphic>
-      </p:graphicFrame>
     </p:spTree>
     <p:extLst>
       <p:ext uri="{BB962C8B-B14F-4D97-AF65-F5344CB8AC3E}">
-        <p14:creationId xmlns:p14="http://schemas.microsoft.com/office/powerpoint/2010/main" xmlns="" val="2933539966"/>
+        <p14:creationId xmlns:p14="http://schemas.microsoft.com/office/powerpoint/2010/main" val="2933539966"/>
       </p:ext>
     </p:extLst>
   </p:cSld>
@@ -12585,7 +12215,7 @@
     </p:spTree>
     <p:extLst>
       <p:ext uri="{BB962C8B-B14F-4D97-AF65-F5344CB8AC3E}">
-        <p14:creationId xmlns:p14="http://schemas.microsoft.com/office/powerpoint/2010/main" xmlns="" val="2103261420"/>
+        <p14:creationId xmlns:p14="http://schemas.microsoft.com/office/powerpoint/2010/main" val="2103261420"/>
       </p:ext>
     </p:extLst>
   </p:cSld>
@@ -12777,7 +12407,7 @@
     </p:spTree>
     <p:extLst>
       <p:ext uri="{BB962C8B-B14F-4D97-AF65-F5344CB8AC3E}">
-        <p14:creationId xmlns:p14="http://schemas.microsoft.com/office/powerpoint/2010/main" xmlns="" val="363892485"/>
+        <p14:creationId xmlns:p14="http://schemas.microsoft.com/office/powerpoint/2010/main" val="363892485"/>
       </p:ext>
     </p:extLst>
   </p:cSld>
@@ -12843,7 +12473,15 @@
                   <a:schemeClr val="tx1"/>
                 </a:solidFill>
               </a:rPr>
-              <a:t>Sample Test Case “to be updated”</a:t>
+              <a:t>Sample Test </a:t>
+            </a:r>
+            <a:r>
+              <a:rPr lang="en-US" b="0" dirty="0" smtClean="0">
+                <a:solidFill>
+                  <a:schemeClr val="tx1"/>
+                </a:solidFill>
+              </a:rPr>
+              <a:t>Case</a:t>
             </a:r>
             <a:endParaRPr lang="en-US" dirty="0"/>
           </a:p>
@@ -12859,7 +12497,7 @@
             <p:ph idx="1"/>
             <p:extLst>
               <p:ext uri="{D42A27DB-BD31-4B8C-83A1-F6EECF244321}">
-                <p14:modId xmlns:p14="http://schemas.microsoft.com/office/powerpoint/2010/main" xmlns="" val="276046347"/>
+                <p14:modId xmlns:p14="http://schemas.microsoft.com/office/powerpoint/2010/main" val="276046347"/>
               </p:ext>
             </p:extLst>
           </p:nvPr>
@@ -14654,7 +14292,7 @@
     </p:spTree>
     <p:extLst>
       <p:ext uri="{BB962C8B-B14F-4D97-AF65-F5344CB8AC3E}">
-        <p14:creationId xmlns:p14="http://schemas.microsoft.com/office/powerpoint/2010/main" xmlns="" val="3068744991"/>
+        <p14:creationId xmlns:p14="http://schemas.microsoft.com/office/powerpoint/2010/main" val="3068744991"/>
       </p:ext>
     </p:extLst>
   </p:cSld>
@@ -14849,7 +14487,7 @@
     </p:spTree>
     <p:extLst>
       <p:ext uri="{BB962C8B-B14F-4D97-AF65-F5344CB8AC3E}">
-        <p14:creationId xmlns:p14="http://schemas.microsoft.com/office/powerpoint/2010/main" xmlns="" val="478460408"/>
+        <p14:creationId xmlns:p14="http://schemas.microsoft.com/office/powerpoint/2010/main" val="478460408"/>
       </p:ext>
     </p:extLst>
   </p:cSld>
@@ -14901,7 +14539,7 @@
         </p:spPr>
         <p:txBody>
           <a:bodyPr>
-            <a:normAutofit fontScale="90000"/>
+            <a:normAutofit/>
           </a:bodyPr>
           <a:lstStyle/>
           <a:p>
@@ -14927,15 +14565,7 @@
                   <a:schemeClr val="tx1"/>
                 </a:solidFill>
               </a:rPr>
-              <a:t>Case “</a:t>
-            </a:r>
-            <a:r>
-              <a:rPr lang="en-US" sz="2700" b="0" kern="1200" dirty="0" smtClean="0">
-                <a:solidFill>
-                  <a:schemeClr val="tx1"/>
-                </a:solidFill>
-              </a:rPr>
-              <a:t>to be updated”</a:t>
+              <a:t>Case</a:t>
             </a:r>
             <a:endParaRPr lang="en-US" sz="3200" b="0" kern="1200" dirty="0">
               <a:solidFill>
@@ -14954,7 +14584,7 @@
           <p:nvPr>
             <p:extLst>
               <p:ext uri="{D42A27DB-BD31-4B8C-83A1-F6EECF244321}">
-                <p14:modId xmlns:p14="http://schemas.microsoft.com/office/powerpoint/2010/main" xmlns="" val="2939850053"/>
+                <p14:modId xmlns:p14="http://schemas.microsoft.com/office/powerpoint/2010/main" val="2939850053"/>
               </p:ext>
             </p:extLst>
           </p:nvPr>
@@ -16437,7 +16067,7 @@
     </p:spTree>
     <p:extLst>
       <p:ext uri="{BB962C8B-B14F-4D97-AF65-F5344CB8AC3E}">
-        <p14:creationId xmlns:p14="http://schemas.microsoft.com/office/powerpoint/2010/main" xmlns="" val="2519608527"/>
+        <p14:creationId xmlns:p14="http://schemas.microsoft.com/office/powerpoint/2010/main" val="2519608527"/>
       </p:ext>
     </p:extLst>
   </p:cSld>
@@ -16557,11 +16187,7 @@
             </a:pPr>
             <a:r>
               <a:rPr lang="en" sz="1800" dirty="0" smtClean="0"/>
-              <a:t>Noise </a:t>
-            </a:r>
-            <a:r>
-              <a:rPr lang="en" sz="1800" dirty="0" smtClean="0"/>
-              <a:t>Eliminator.</a:t>
+              <a:t>Noise Eliminator.</a:t>
             </a:r>
             <a:endParaRPr lang="en" sz="1800" dirty="0"/>
           </a:p>
@@ -16646,11 +16272,7 @@
             </a:r>
             <a:r>
               <a:rPr lang="en" sz="1800" dirty="0" smtClean="0"/>
-              <a:t>Phase </a:t>
-            </a:r>
-            <a:r>
-              <a:rPr lang="en" sz="1800" dirty="0" smtClean="0"/>
-              <a:t>1 Interim.</a:t>
+              <a:t>Phase 1 Interim.</a:t>
             </a:r>
             <a:endParaRPr lang="en" sz="1800" dirty="0"/>
           </a:p>
@@ -16683,7 +16305,7 @@
     </p:spTree>
     <p:extLst>
       <p:ext uri="{BB962C8B-B14F-4D97-AF65-F5344CB8AC3E}">
-        <p14:creationId xmlns:p14="http://schemas.microsoft.com/office/powerpoint/2010/main" xmlns="" val="610880341"/>
+        <p14:creationId xmlns:p14="http://schemas.microsoft.com/office/powerpoint/2010/main" val="610880341"/>
       </p:ext>
     </p:extLst>
   </p:cSld>
@@ -17104,7 +16726,7 @@
     </p:spTree>
     <p:extLst>
       <p:ext uri="{BB962C8B-B14F-4D97-AF65-F5344CB8AC3E}">
-        <p14:creationId xmlns:p14="http://schemas.microsoft.com/office/powerpoint/2010/main" xmlns="" val="3208581907"/>
+        <p14:creationId xmlns:p14="http://schemas.microsoft.com/office/powerpoint/2010/main" val="3208581907"/>
       </p:ext>
     </p:extLst>
   </p:cSld>
@@ -17175,7 +16797,7 @@
     </p:spTree>
     <p:extLst>
       <p:ext uri="{BB962C8B-B14F-4D97-AF65-F5344CB8AC3E}">
-        <p14:creationId xmlns:p14="http://schemas.microsoft.com/office/powerpoint/2010/main" xmlns="" val="1358188102"/>
+        <p14:creationId xmlns:p14="http://schemas.microsoft.com/office/powerpoint/2010/main" val="1358188102"/>
       </p:ext>
     </p:extLst>
   </p:cSld>
@@ -17375,7 +16997,7 @@
     </p:spTree>
     <p:extLst>
       <p:ext uri="{BB962C8B-B14F-4D97-AF65-F5344CB8AC3E}">
-        <p14:creationId xmlns:p14="http://schemas.microsoft.com/office/powerpoint/2010/main" xmlns="" val="1168704390"/>
+        <p14:creationId xmlns:p14="http://schemas.microsoft.com/office/powerpoint/2010/main" val="1168704390"/>
       </p:ext>
     </p:extLst>
   </p:cSld>
@@ -17447,7 +17069,7 @@
     </p:spTree>
     <p:extLst>
       <p:ext uri="{BB962C8B-B14F-4D97-AF65-F5344CB8AC3E}">
-        <p14:creationId xmlns:p14="http://schemas.microsoft.com/office/powerpoint/2010/main" xmlns="" val="2980273767"/>
+        <p14:creationId xmlns:p14="http://schemas.microsoft.com/office/powerpoint/2010/main" val="2980273767"/>
       </p:ext>
     </p:extLst>
   </p:cSld>
@@ -17645,15 +17267,7 @@
                   <a:schemeClr val="tx1"/>
                 </a:solidFill>
               </a:rPr>
-              <a:t>T-REX</a:t>
-            </a:r>
-            <a:r>
-              <a:rPr lang="en-US" b="1" dirty="0" smtClean="0">
-                <a:solidFill>
-                  <a:schemeClr val="tx1"/>
-                </a:solidFill>
-              </a:rPr>
-              <a:t> </a:t>
+              <a:t>T-REX </a:t>
             </a:r>
             <a:r>
               <a:rPr lang="en-US" sz="1800" b="1" dirty="0" smtClean="0">
@@ -17714,7 +17328,7 @@
     </p:spTree>
     <p:extLst>
       <p:ext uri="{BB962C8B-B14F-4D97-AF65-F5344CB8AC3E}">
-        <p14:creationId xmlns:p14="http://schemas.microsoft.com/office/powerpoint/2010/main" xmlns="" val="2904046474"/>
+        <p14:creationId xmlns:p14="http://schemas.microsoft.com/office/powerpoint/2010/main" val="2904046474"/>
       </p:ext>
     </p:extLst>
   </p:cSld>
@@ -17862,7 +17476,6 @@
               <a:rPr lang="en-US" dirty="0" smtClean="0"/>
               <a:t>Fast and flexible</a:t>
             </a:r>
-            <a:endParaRPr lang="en-US" dirty="0" smtClean="0"/>
           </a:p>
           <a:p>
             <a:pPr lvl="1">
@@ -17885,7 +17498,7 @@
     </p:spTree>
     <p:extLst>
       <p:ext uri="{BB962C8B-B14F-4D97-AF65-F5344CB8AC3E}">
-        <p14:creationId xmlns:p14="http://schemas.microsoft.com/office/powerpoint/2010/main" xmlns="" val="471345656"/>
+        <p14:creationId xmlns:p14="http://schemas.microsoft.com/office/powerpoint/2010/main" val="471345656"/>
       </p:ext>
     </p:extLst>
   </p:cSld>
@@ -17963,7 +17576,7 @@
     </p:spTree>
     <p:extLst>
       <p:ext uri="{BB962C8B-B14F-4D97-AF65-F5344CB8AC3E}">
-        <p14:creationId xmlns:p14="http://schemas.microsoft.com/office/powerpoint/2010/main" xmlns="" val="388079371"/>
+        <p14:creationId xmlns:p14="http://schemas.microsoft.com/office/powerpoint/2010/main" val="388079371"/>
       </p:ext>
     </p:extLst>
   </p:cSld>
@@ -18160,7 +17773,7 @@
     </p:spTree>
     <p:extLst>
       <p:ext uri="{BB962C8B-B14F-4D97-AF65-F5344CB8AC3E}">
-        <p14:creationId xmlns:p14="http://schemas.microsoft.com/office/powerpoint/2010/main" xmlns="" val="2274045423"/>
+        <p14:creationId xmlns:p14="http://schemas.microsoft.com/office/powerpoint/2010/main" val="2274045423"/>
       </p:ext>
     </p:extLst>
   </p:cSld>
